--- a/19rose/KNN/Mini-Vortrag KNN.pptx
+++ b/19rose/KNN/Mini-Vortrag KNN.pptx
@@ -238,7 +238,7 @@
           <a:p>
             <a:fld id="{B62FA653-12D7-4BB2-A52D-7A8CD5B4FB10}" type="datetimeFigureOut">
               <a:rPr lang="de-DE" smtClean="0"/>
-              <a:t>13.01.2020</a:t>
+              <a:t>16.01.2020</a:t>
             </a:fld>
             <a:endParaRPr lang="de-DE"/>
           </a:p>
@@ -556,7 +556,7 @@
           <a:noFill/>
           <a:extLst>
             <a:ext uri="{909E8E84-426E-40dd-AFC4-6F175D3DCCD1}">
-              <a14:hiddenFill xmlns:a14="http://schemas.microsoft.com/office/drawing/2010/main" xmlns="">
+              <a14:hiddenFill xmlns="" xmlns:a14="http://schemas.microsoft.com/office/drawing/2010/main">
                 <a:solidFill>
                   <a:srgbClr val="FFFFFF"/>
                 </a:solidFill>
@@ -616,7 +616,7 @@
             </a:ln>
             <a:extLst>
               <a:ext uri="{91240B29-F687-4f45-9708-019B960494DF}">
-                <a14:hiddenLine xmlns:a14="http://schemas.microsoft.com/office/drawing/2010/main" xmlns="" w="9525">
+                <a14:hiddenLine xmlns="" xmlns:a14="http://schemas.microsoft.com/office/drawing/2010/main" w="9525">
                   <a:solidFill>
                     <a:srgbClr val="000000"/>
                   </a:solidFill>
@@ -706,7 +706,7 @@
             </a:ln>
             <a:extLst>
               <a:ext uri="{91240B29-F687-4f45-9708-019B960494DF}">
-                <a14:hiddenLine xmlns:a14="http://schemas.microsoft.com/office/drawing/2010/main" xmlns="" w="9525">
+                <a14:hiddenLine xmlns="" xmlns:a14="http://schemas.microsoft.com/office/drawing/2010/main" w="9525">
                   <a:solidFill>
                     <a:srgbClr val="000000"/>
                   </a:solidFill>
@@ -796,7 +796,7 @@
             </a:ln>
             <a:extLst>
               <a:ext uri="{91240B29-F687-4f45-9708-019B960494DF}">
-                <a14:hiddenLine xmlns:a14="http://schemas.microsoft.com/office/drawing/2010/main" xmlns="" w="9525">
+                <a14:hiddenLine xmlns="" xmlns:a14="http://schemas.microsoft.com/office/drawing/2010/main" w="9525">
                   <a:solidFill>
                     <a:srgbClr val="000000"/>
                   </a:solidFill>
@@ -830,7 +830,7 @@
             </a:ln>
             <a:extLst>
               <a:ext uri="{91240B29-F687-4f45-9708-019B960494DF}">
-                <a14:hiddenLine xmlns:a14="http://schemas.microsoft.com/office/drawing/2010/main" xmlns="" w="9525">
+                <a14:hiddenLine xmlns="" xmlns:a14="http://schemas.microsoft.com/office/drawing/2010/main" w="9525">
                   <a:solidFill>
                     <a:srgbClr val="000000"/>
                   </a:solidFill>
@@ -920,7 +920,7 @@
             </a:ln>
             <a:extLst>
               <a:ext uri="{91240B29-F687-4f45-9708-019B960494DF}">
-                <a14:hiddenLine xmlns:a14="http://schemas.microsoft.com/office/drawing/2010/main" xmlns="" w="9525">
+                <a14:hiddenLine xmlns="" xmlns:a14="http://schemas.microsoft.com/office/drawing/2010/main" w="9525">
                   <a:solidFill>
                     <a:srgbClr val="000000"/>
                   </a:solidFill>
@@ -982,7 +982,7 @@
             </a:ln>
             <a:extLst>
               <a:ext uri="{91240B29-F687-4f45-9708-019B960494DF}">
-                <a14:hiddenLine xmlns:a14="http://schemas.microsoft.com/office/drawing/2010/main" xmlns="" w="9525">
+                <a14:hiddenLine xmlns="" xmlns:a14="http://schemas.microsoft.com/office/drawing/2010/main" w="9525">
                   <a:solidFill>
                     <a:srgbClr val="000000"/>
                   </a:solidFill>
@@ -1044,7 +1044,7 @@
             </a:ln>
             <a:extLst>
               <a:ext uri="{91240B29-F687-4f45-9708-019B960494DF}">
-                <a14:hiddenLine xmlns:a14="http://schemas.microsoft.com/office/drawing/2010/main" xmlns="" w="9525">
+                <a14:hiddenLine xmlns="" xmlns:a14="http://schemas.microsoft.com/office/drawing/2010/main" w="9525">
                   <a:solidFill>
                     <a:srgbClr val="000000"/>
                   </a:solidFill>
@@ -1134,7 +1134,7 @@
             </a:ln>
             <a:extLst>
               <a:ext uri="{91240B29-F687-4f45-9708-019B960494DF}">
-                <a14:hiddenLine xmlns:a14="http://schemas.microsoft.com/office/drawing/2010/main" xmlns="" w="9525">
+                <a14:hiddenLine xmlns="" xmlns:a14="http://schemas.microsoft.com/office/drawing/2010/main" w="9525">
                   <a:solidFill>
                     <a:srgbClr val="000000"/>
                   </a:solidFill>
@@ -1196,7 +1196,7 @@
             </a:ln>
             <a:extLst>
               <a:ext uri="{91240B29-F687-4f45-9708-019B960494DF}">
-                <a14:hiddenLine xmlns:a14="http://schemas.microsoft.com/office/drawing/2010/main" xmlns="" w="9525">
+                <a14:hiddenLine xmlns="" xmlns:a14="http://schemas.microsoft.com/office/drawing/2010/main" w="9525">
                   <a:solidFill>
                     <a:srgbClr val="000000"/>
                   </a:solidFill>
@@ -1258,7 +1258,7 @@
             </a:ln>
             <a:extLst>
               <a:ext uri="{91240B29-F687-4f45-9708-019B960494DF}">
-                <a14:hiddenLine xmlns:a14="http://schemas.microsoft.com/office/drawing/2010/main" xmlns="" w="9525">
+                <a14:hiddenLine xmlns="" xmlns:a14="http://schemas.microsoft.com/office/drawing/2010/main" w="9525">
                   <a:solidFill>
                     <a:srgbClr val="000000"/>
                   </a:solidFill>
@@ -1348,7 +1348,7 @@
             </a:ln>
             <a:extLst>
               <a:ext uri="{91240B29-F687-4f45-9708-019B960494DF}">
-                <a14:hiddenLine xmlns:a14="http://schemas.microsoft.com/office/drawing/2010/main" xmlns="" w="9525">
+                <a14:hiddenLine xmlns="" xmlns:a14="http://schemas.microsoft.com/office/drawing/2010/main" w="9525">
                   <a:solidFill>
                     <a:srgbClr val="000000"/>
                   </a:solidFill>
@@ -1438,7 +1438,7 @@
             </a:ln>
             <a:extLst>
               <a:ext uri="{91240B29-F687-4f45-9708-019B960494DF}">
-                <a14:hiddenLine xmlns:a14="http://schemas.microsoft.com/office/drawing/2010/main" xmlns="" w="9525">
+                <a14:hiddenLine xmlns="" xmlns:a14="http://schemas.microsoft.com/office/drawing/2010/main" w="9525">
                   <a:solidFill>
                     <a:srgbClr val="000000"/>
                   </a:solidFill>
@@ -1500,7 +1500,7 @@
             </a:ln>
             <a:extLst>
               <a:ext uri="{91240B29-F687-4f45-9708-019B960494DF}">
-                <a14:hiddenLine xmlns:a14="http://schemas.microsoft.com/office/drawing/2010/main" xmlns="" w="9525">
+                <a14:hiddenLine xmlns="" xmlns:a14="http://schemas.microsoft.com/office/drawing/2010/main" w="9525">
                   <a:solidFill>
                     <a:srgbClr val="000000"/>
                   </a:solidFill>
@@ -1610,7 +1610,7 @@
             </a:ln>
             <a:extLst>
               <a:ext uri="{91240B29-F687-4f45-9708-019B960494DF}">
-                <a14:hiddenLine xmlns:a14="http://schemas.microsoft.com/office/drawing/2010/main" xmlns="" w="9525">
+                <a14:hiddenLine xmlns="" xmlns:a14="http://schemas.microsoft.com/office/drawing/2010/main" w="9525">
                   <a:solidFill>
                     <a:srgbClr val="000000"/>
                   </a:solidFill>
@@ -1672,7 +1672,7 @@
             </a:ln>
             <a:extLst>
               <a:ext uri="{91240B29-F687-4f45-9708-019B960494DF}">
-                <a14:hiddenLine xmlns:a14="http://schemas.microsoft.com/office/drawing/2010/main" xmlns="" w="9525">
+                <a14:hiddenLine xmlns="" xmlns:a14="http://schemas.microsoft.com/office/drawing/2010/main" w="9525">
                   <a:solidFill>
                     <a:srgbClr val="000000"/>
                   </a:solidFill>
@@ -1762,7 +1762,7 @@
             </a:ln>
             <a:extLst>
               <a:ext uri="{91240B29-F687-4f45-9708-019B960494DF}">
-                <a14:hiddenLine xmlns:a14="http://schemas.microsoft.com/office/drawing/2010/main" xmlns="" w="9525">
+                <a14:hiddenLine xmlns="" xmlns:a14="http://schemas.microsoft.com/office/drawing/2010/main" w="9525">
                   <a:solidFill>
                     <a:srgbClr val="000000"/>
                   </a:solidFill>
@@ -1852,7 +1852,7 @@
             </a:ln>
             <a:extLst>
               <a:ext uri="{91240B29-F687-4f45-9708-019B960494DF}">
-                <a14:hiddenLine xmlns:a14="http://schemas.microsoft.com/office/drawing/2010/main" xmlns="" w="9525">
+                <a14:hiddenLine xmlns="" xmlns:a14="http://schemas.microsoft.com/office/drawing/2010/main" w="9525">
                   <a:solidFill>
                     <a:srgbClr val="000000"/>
                   </a:solidFill>
@@ -1914,7 +1914,7 @@
             </a:ln>
             <a:extLst>
               <a:ext uri="{91240B29-F687-4f45-9708-019B960494DF}">
-                <a14:hiddenLine xmlns:a14="http://schemas.microsoft.com/office/drawing/2010/main" xmlns="" w="9525">
+                <a14:hiddenLine xmlns="" xmlns:a14="http://schemas.microsoft.com/office/drawing/2010/main" w="9525">
                   <a:solidFill>
                     <a:srgbClr val="000000"/>
                   </a:solidFill>
@@ -2004,7 +2004,7 @@
             </a:ln>
             <a:extLst>
               <a:ext uri="{91240B29-F687-4f45-9708-019B960494DF}">
-                <a14:hiddenLine xmlns:a14="http://schemas.microsoft.com/office/drawing/2010/main" xmlns="" w="9525">
+                <a14:hiddenLine xmlns="" xmlns:a14="http://schemas.microsoft.com/office/drawing/2010/main" w="9525">
                   <a:solidFill>
                     <a:srgbClr val="000000"/>
                   </a:solidFill>
@@ -2094,7 +2094,7 @@
             </a:ln>
             <a:extLst>
               <a:ext uri="{91240B29-F687-4f45-9708-019B960494DF}">
-                <a14:hiddenLine xmlns:a14="http://schemas.microsoft.com/office/drawing/2010/main" xmlns="" w="9525">
+                <a14:hiddenLine xmlns="" xmlns:a14="http://schemas.microsoft.com/office/drawing/2010/main" w="9525">
                   <a:solidFill>
                     <a:srgbClr val="000000"/>
                   </a:solidFill>
@@ -2150,7 +2150,7 @@
             </a:ln>
             <a:extLst>
               <a:ext uri="{91240B29-F687-4f45-9708-019B960494DF}">
-                <a14:hiddenLine xmlns:a14="http://schemas.microsoft.com/office/drawing/2010/main" xmlns="" w="9525">
+                <a14:hiddenLine xmlns="" xmlns:a14="http://schemas.microsoft.com/office/drawing/2010/main" w="9525">
                   <a:solidFill>
                     <a:srgbClr val="000000"/>
                   </a:solidFill>
@@ -2240,7 +2240,7 @@
             </a:ln>
             <a:extLst>
               <a:ext uri="{91240B29-F687-4f45-9708-019B960494DF}">
-                <a14:hiddenLine xmlns:a14="http://schemas.microsoft.com/office/drawing/2010/main" xmlns="" w="9525">
+                <a14:hiddenLine xmlns="" xmlns:a14="http://schemas.microsoft.com/office/drawing/2010/main" w="9525">
                   <a:solidFill>
                     <a:srgbClr val="000000"/>
                   </a:solidFill>
@@ -2296,7 +2296,7 @@
             </a:ln>
             <a:extLst>
               <a:ext uri="{91240B29-F687-4f45-9708-019B960494DF}">
-                <a14:hiddenLine xmlns:a14="http://schemas.microsoft.com/office/drawing/2010/main" xmlns="" w="9525">
+                <a14:hiddenLine xmlns="" xmlns:a14="http://schemas.microsoft.com/office/drawing/2010/main" w="9525">
                   <a:solidFill>
                     <a:srgbClr val="000000"/>
                   </a:solidFill>
@@ -2386,7 +2386,7 @@
             </a:ln>
             <a:extLst>
               <a:ext uri="{91240B29-F687-4f45-9708-019B960494DF}">
-                <a14:hiddenLine xmlns:a14="http://schemas.microsoft.com/office/drawing/2010/main" xmlns="" w="9525">
+                <a14:hiddenLine xmlns="" xmlns:a14="http://schemas.microsoft.com/office/drawing/2010/main" w="9525">
                   <a:solidFill>
                     <a:srgbClr val="000000"/>
                   </a:solidFill>
@@ -2454,7 +2454,7 @@
             </a:ln>
             <a:extLst>
               <a:ext uri="{91240B29-F687-4f45-9708-019B960494DF}">
-                <a14:hiddenLine xmlns:a14="http://schemas.microsoft.com/office/drawing/2010/main" xmlns="" w="9525">
+                <a14:hiddenLine xmlns="" xmlns:a14="http://schemas.microsoft.com/office/drawing/2010/main" w="9525">
                   <a:solidFill>
                     <a:srgbClr val="000000"/>
                   </a:solidFill>
@@ -2544,7 +2544,7 @@
             </a:ln>
             <a:extLst>
               <a:ext uri="{91240B29-F687-4f45-9708-019B960494DF}">
-                <a14:hiddenLine xmlns:a14="http://schemas.microsoft.com/office/drawing/2010/main" xmlns="" w="9525">
+                <a14:hiddenLine xmlns="" xmlns:a14="http://schemas.microsoft.com/office/drawing/2010/main" w="9525">
                   <a:solidFill>
                     <a:srgbClr val="000000"/>
                   </a:solidFill>
@@ -2612,7 +2612,7 @@
             </a:ln>
             <a:extLst>
               <a:ext uri="{91240B29-F687-4f45-9708-019B960494DF}">
-                <a14:hiddenLine xmlns:a14="http://schemas.microsoft.com/office/drawing/2010/main" xmlns="" w="9525">
+                <a14:hiddenLine xmlns="" xmlns:a14="http://schemas.microsoft.com/office/drawing/2010/main" w="9525">
                   <a:solidFill>
                     <a:srgbClr val="000000"/>
                   </a:solidFill>
@@ -2702,7 +2702,7 @@
             </a:ln>
             <a:extLst>
               <a:ext uri="{91240B29-F687-4f45-9708-019B960494DF}">
-                <a14:hiddenLine xmlns:a14="http://schemas.microsoft.com/office/drawing/2010/main" xmlns="" w="9525">
+                <a14:hiddenLine xmlns="" xmlns:a14="http://schemas.microsoft.com/office/drawing/2010/main" w="9525">
                   <a:solidFill>
                     <a:srgbClr val="000000"/>
                   </a:solidFill>
@@ -2736,7 +2736,7 @@
             </a:ln>
             <a:extLst>
               <a:ext uri="{91240B29-F687-4f45-9708-019B960494DF}">
-                <a14:hiddenLine xmlns:a14="http://schemas.microsoft.com/office/drawing/2010/main" xmlns="" w="9525">
+                <a14:hiddenLine xmlns="" xmlns:a14="http://schemas.microsoft.com/office/drawing/2010/main" w="9525">
                   <a:solidFill>
                     <a:srgbClr val="000000"/>
                   </a:solidFill>
@@ -2826,7 +2826,7 @@
             </a:ln>
             <a:extLst>
               <a:ext uri="{91240B29-F687-4f45-9708-019B960494DF}">
-                <a14:hiddenLine xmlns:a14="http://schemas.microsoft.com/office/drawing/2010/main" xmlns="" w="9525">
+                <a14:hiddenLine xmlns="" xmlns:a14="http://schemas.microsoft.com/office/drawing/2010/main" w="9525">
                   <a:solidFill>
                     <a:srgbClr val="000000"/>
                   </a:solidFill>
@@ -2888,7 +2888,7 @@
             </a:ln>
             <a:extLst>
               <a:ext uri="{91240B29-F687-4f45-9708-019B960494DF}">
-                <a14:hiddenLine xmlns:a14="http://schemas.microsoft.com/office/drawing/2010/main" xmlns="" w="9525">
+                <a14:hiddenLine xmlns="" xmlns:a14="http://schemas.microsoft.com/office/drawing/2010/main" w="9525">
                   <a:solidFill>
                     <a:srgbClr val="000000"/>
                   </a:solidFill>
@@ -2950,7 +2950,7 @@
             </a:ln>
             <a:extLst>
               <a:ext uri="{91240B29-F687-4f45-9708-019B960494DF}">
-                <a14:hiddenLine xmlns:a14="http://schemas.microsoft.com/office/drawing/2010/main" xmlns="" w="9525">
+                <a14:hiddenLine xmlns="" xmlns:a14="http://schemas.microsoft.com/office/drawing/2010/main" w="9525">
                   <a:solidFill>
                     <a:srgbClr val="000000"/>
                   </a:solidFill>
@@ -3040,7 +3040,7 @@
             </a:ln>
             <a:extLst>
               <a:ext uri="{91240B29-F687-4f45-9708-019B960494DF}">
-                <a14:hiddenLine xmlns:a14="http://schemas.microsoft.com/office/drawing/2010/main" xmlns="" w="9525">
+                <a14:hiddenLine xmlns="" xmlns:a14="http://schemas.microsoft.com/office/drawing/2010/main" w="9525">
                   <a:solidFill>
                     <a:srgbClr val="000000"/>
                   </a:solidFill>
@@ -3108,7 +3108,7 @@
             </a:ln>
             <a:extLst>
               <a:ext uri="{91240B29-F687-4f45-9708-019B960494DF}">
-                <a14:hiddenLine xmlns:a14="http://schemas.microsoft.com/office/drawing/2010/main" xmlns="" w="9525">
+                <a14:hiddenLine xmlns="" xmlns:a14="http://schemas.microsoft.com/office/drawing/2010/main" w="9525">
                   <a:solidFill>
                     <a:srgbClr val="000000"/>
                   </a:solidFill>
@@ -3170,7 +3170,7 @@
             </a:ln>
             <a:extLst>
               <a:ext uri="{91240B29-F687-4f45-9708-019B960494DF}">
-                <a14:hiddenLine xmlns:a14="http://schemas.microsoft.com/office/drawing/2010/main" xmlns="" w="9525">
+                <a14:hiddenLine xmlns="" xmlns:a14="http://schemas.microsoft.com/office/drawing/2010/main" w="9525">
                   <a:solidFill>
                     <a:srgbClr val="000000"/>
                   </a:solidFill>
@@ -3260,7 +3260,7 @@
             </a:ln>
             <a:extLst>
               <a:ext uri="{91240B29-F687-4f45-9708-019B960494DF}">
-                <a14:hiddenLine xmlns:a14="http://schemas.microsoft.com/office/drawing/2010/main" xmlns="" w="9525">
+                <a14:hiddenLine xmlns="" xmlns:a14="http://schemas.microsoft.com/office/drawing/2010/main" w="9525">
                   <a:solidFill>
                     <a:srgbClr val="000000"/>
                   </a:solidFill>
@@ -3322,7 +3322,7 @@
             </a:ln>
             <a:extLst>
               <a:ext uri="{91240B29-F687-4f45-9708-019B960494DF}">
-                <a14:hiddenLine xmlns:a14="http://schemas.microsoft.com/office/drawing/2010/main" xmlns="" w="9525">
+                <a14:hiddenLine xmlns="" xmlns:a14="http://schemas.microsoft.com/office/drawing/2010/main" w="9525">
                   <a:solidFill>
                     <a:srgbClr val="000000"/>
                   </a:solidFill>
@@ -3412,7 +3412,7 @@
             </a:ln>
             <a:extLst>
               <a:ext uri="{91240B29-F687-4f45-9708-019B960494DF}">
-                <a14:hiddenLine xmlns:a14="http://schemas.microsoft.com/office/drawing/2010/main" xmlns="" w="9525">
+                <a14:hiddenLine xmlns="" xmlns:a14="http://schemas.microsoft.com/office/drawing/2010/main" w="9525">
                   <a:solidFill>
                     <a:srgbClr val="000000"/>
                   </a:solidFill>
@@ -3474,7 +3474,7 @@
             </a:ln>
             <a:extLst>
               <a:ext uri="{91240B29-F687-4f45-9708-019B960494DF}">
-                <a14:hiddenLine xmlns:a14="http://schemas.microsoft.com/office/drawing/2010/main" xmlns="" w="9525">
+                <a14:hiddenLine xmlns="" xmlns:a14="http://schemas.microsoft.com/office/drawing/2010/main" w="9525">
                   <a:solidFill>
                     <a:srgbClr val="000000"/>
                   </a:solidFill>
@@ -3564,7 +3564,7 @@
             </a:ln>
             <a:extLst>
               <a:ext uri="{91240B29-F687-4f45-9708-019B960494DF}">
-                <a14:hiddenLine xmlns:a14="http://schemas.microsoft.com/office/drawing/2010/main" xmlns="" w="9525">
+                <a14:hiddenLine xmlns="" xmlns:a14="http://schemas.microsoft.com/office/drawing/2010/main" w="9525">
                   <a:solidFill>
                     <a:srgbClr val="000000"/>
                   </a:solidFill>
@@ -3598,7 +3598,7 @@
             </a:ln>
             <a:extLst>
               <a:ext uri="{91240B29-F687-4f45-9708-019B960494DF}">
-                <a14:hiddenLine xmlns:a14="http://schemas.microsoft.com/office/drawing/2010/main" xmlns="" w="9525">
+                <a14:hiddenLine xmlns="" xmlns:a14="http://schemas.microsoft.com/office/drawing/2010/main" w="9525">
                   <a:solidFill>
                     <a:srgbClr val="000000"/>
                   </a:solidFill>
@@ -3663,7 +3663,7 @@
             </a:ln>
             <a:extLst>
               <a:ext uri="{91240B29-F687-4f45-9708-019B960494DF}">
-                <a14:hiddenLine xmlns:a14="http://schemas.microsoft.com/office/drawing/2010/main" xmlns="" w="9525">
+                <a14:hiddenLine xmlns="" xmlns:a14="http://schemas.microsoft.com/office/drawing/2010/main" w="9525">
                   <a:solidFill>
                     <a:srgbClr val="000000"/>
                   </a:solidFill>
@@ -3753,7 +3753,7 @@
             </a:ln>
             <a:extLst>
               <a:ext uri="{91240B29-F687-4f45-9708-019B960494DF}">
-                <a14:hiddenLine xmlns:a14="http://schemas.microsoft.com/office/drawing/2010/main" xmlns="" w="9525">
+                <a14:hiddenLine xmlns="" xmlns:a14="http://schemas.microsoft.com/office/drawing/2010/main" w="9525">
                   <a:solidFill>
                     <a:srgbClr val="000000"/>
                   </a:solidFill>
@@ -3815,7 +3815,7 @@
             </a:ln>
             <a:extLst>
               <a:ext uri="{91240B29-F687-4f45-9708-019B960494DF}">
-                <a14:hiddenLine xmlns:a14="http://schemas.microsoft.com/office/drawing/2010/main" xmlns="" w="9525">
+                <a14:hiddenLine xmlns="" xmlns:a14="http://schemas.microsoft.com/office/drawing/2010/main" w="9525">
                   <a:solidFill>
                     <a:srgbClr val="000000"/>
                   </a:solidFill>
@@ -3905,7 +3905,7 @@
             </a:ln>
             <a:extLst>
               <a:ext uri="{91240B29-F687-4f45-9708-019B960494DF}">
-                <a14:hiddenLine xmlns:a14="http://schemas.microsoft.com/office/drawing/2010/main" xmlns="" w="9525">
+                <a14:hiddenLine xmlns="" xmlns:a14="http://schemas.microsoft.com/office/drawing/2010/main" w="9525">
                   <a:solidFill>
                     <a:srgbClr val="000000"/>
                   </a:solidFill>
@@ -3995,7 +3995,7 @@
             </a:ln>
             <a:extLst>
               <a:ext uri="{91240B29-F687-4f45-9708-019B960494DF}">
-                <a14:hiddenLine xmlns:a14="http://schemas.microsoft.com/office/drawing/2010/main" xmlns="" w="9525">
+                <a14:hiddenLine xmlns="" xmlns:a14="http://schemas.microsoft.com/office/drawing/2010/main" w="9525">
                   <a:solidFill>
                     <a:srgbClr val="000000"/>
                   </a:solidFill>
@@ -4060,7 +4060,7 @@
             </a:ln>
             <a:extLst>
               <a:ext uri="{91240B29-F687-4f45-9708-019B960494DF}">
-                <a14:hiddenLine xmlns:a14="http://schemas.microsoft.com/office/drawing/2010/main" xmlns="" w="9525">
+                <a14:hiddenLine xmlns="" xmlns:a14="http://schemas.microsoft.com/office/drawing/2010/main" w="9525">
                   <a:solidFill>
                     <a:srgbClr val="000000"/>
                   </a:solidFill>
@@ -4122,7 +4122,7 @@
             </a:ln>
             <a:extLst>
               <a:ext uri="{91240B29-F687-4f45-9708-019B960494DF}">
-                <a14:hiddenLine xmlns:a14="http://schemas.microsoft.com/office/drawing/2010/main" xmlns="" w="9525">
+                <a14:hiddenLine xmlns="" xmlns:a14="http://schemas.microsoft.com/office/drawing/2010/main" w="9525">
                   <a:solidFill>
                     <a:srgbClr val="000000"/>
                   </a:solidFill>
@@ -4212,7 +4212,7 @@
             </a:ln>
             <a:extLst>
               <a:ext uri="{91240B29-F687-4f45-9708-019B960494DF}">
-                <a14:hiddenLine xmlns:a14="http://schemas.microsoft.com/office/drawing/2010/main" xmlns="" w="9525">
+                <a14:hiddenLine xmlns="" xmlns:a14="http://schemas.microsoft.com/office/drawing/2010/main" w="9525">
                   <a:solidFill>
                     <a:srgbClr val="000000"/>
                   </a:solidFill>
@@ -4302,7 +4302,7 @@
             </a:ln>
             <a:extLst>
               <a:ext uri="{91240B29-F687-4f45-9708-019B960494DF}">
-                <a14:hiddenLine xmlns:a14="http://schemas.microsoft.com/office/drawing/2010/main" xmlns="" w="9525">
+                <a14:hiddenLine xmlns="" xmlns:a14="http://schemas.microsoft.com/office/drawing/2010/main" w="9525">
                   <a:solidFill>
                     <a:srgbClr val="000000"/>
                   </a:solidFill>
@@ -4364,7 +4364,7 @@
             </a:ln>
             <a:extLst>
               <a:ext uri="{91240B29-F687-4f45-9708-019B960494DF}">
-                <a14:hiddenLine xmlns:a14="http://schemas.microsoft.com/office/drawing/2010/main" xmlns="" w="9525">
+                <a14:hiddenLine xmlns="" xmlns:a14="http://schemas.microsoft.com/office/drawing/2010/main" w="9525">
                   <a:solidFill>
                     <a:srgbClr val="000000"/>
                   </a:solidFill>
@@ -4484,7 +4484,7 @@
             </a:ln>
             <a:extLst>
               <a:ext uri="{91240B29-F687-4f45-9708-019B960494DF}">
-                <a14:hiddenLine xmlns:a14="http://schemas.microsoft.com/office/drawing/2010/main" xmlns="" w="9525">
+                <a14:hiddenLine xmlns="" xmlns:a14="http://schemas.microsoft.com/office/drawing/2010/main" w="9525">
                   <a:solidFill>
                     <a:srgbClr val="000000"/>
                   </a:solidFill>
@@ -4552,7 +4552,7 @@
             </a:ln>
             <a:extLst>
               <a:ext uri="{91240B29-F687-4f45-9708-019B960494DF}">
-                <a14:hiddenLine xmlns:a14="http://schemas.microsoft.com/office/drawing/2010/main" xmlns="" w="9525">
+                <a14:hiddenLine xmlns="" xmlns:a14="http://schemas.microsoft.com/office/drawing/2010/main" w="9525">
                   <a:solidFill>
                     <a:srgbClr val="000000"/>
                   </a:solidFill>
@@ -4642,7 +4642,7 @@
             </a:ln>
             <a:extLst>
               <a:ext uri="{91240B29-F687-4f45-9708-019B960494DF}">
-                <a14:hiddenLine xmlns:a14="http://schemas.microsoft.com/office/drawing/2010/main" xmlns="" w="9525">
+                <a14:hiddenLine xmlns="" xmlns:a14="http://schemas.microsoft.com/office/drawing/2010/main" w="9525">
                   <a:solidFill>
                     <a:srgbClr val="000000"/>
                   </a:solidFill>
@@ -4782,7 +4782,7 @@
           <a:p>
             <a:fld id="{291487FF-3CD3-48F9-98F1-F23A67AA1DFB}" type="datetimeFigureOut">
               <a:rPr lang="de-DE" smtClean="0"/>
-              <a:t>13.01.2020</a:t>
+              <a:t>16.01.2020</a:t>
             </a:fld>
             <a:endParaRPr lang="de-DE"/>
           </a:p>
@@ -5049,7 +5049,7 @@
           <a:p>
             <a:fld id="{291487FF-3CD3-48F9-98F1-F23A67AA1DFB}" type="datetimeFigureOut">
               <a:rPr lang="de-DE" smtClean="0"/>
-              <a:t>13.01.2020</a:t>
+              <a:t>16.01.2020</a:t>
             </a:fld>
             <a:endParaRPr lang="de-DE"/>
           </a:p>
@@ -5245,7 +5245,7 @@
           <a:p>
             <a:fld id="{291487FF-3CD3-48F9-98F1-F23A67AA1DFB}" type="datetimeFigureOut">
               <a:rPr lang="de-DE" smtClean="0"/>
-              <a:t>13.01.2020</a:t>
+              <a:t>16.01.2020</a:t>
             </a:fld>
             <a:endParaRPr lang="de-DE"/>
           </a:p>
@@ -5508,7 +5508,7 @@
           <a:p>
             <a:fld id="{291487FF-3CD3-48F9-98F1-F23A67AA1DFB}" type="datetimeFigureOut">
               <a:rPr lang="de-DE" smtClean="0"/>
-              <a:t>13.01.2020</a:t>
+              <a:t>16.01.2020</a:t>
             </a:fld>
             <a:endParaRPr lang="de-DE"/>
           </a:p>
@@ -5942,7 +5942,7 @@
           <a:p>
             <a:fld id="{291487FF-3CD3-48F9-98F1-F23A67AA1DFB}" type="datetimeFigureOut">
               <a:rPr lang="de-DE" smtClean="0"/>
-              <a:t>13.01.2020</a:t>
+              <a:t>16.01.2020</a:t>
             </a:fld>
             <a:endParaRPr lang="de-DE"/>
           </a:p>
@@ -6488,7 +6488,7 @@
           <a:p>
             <a:fld id="{291487FF-3CD3-48F9-98F1-F23A67AA1DFB}" type="datetimeFigureOut">
               <a:rPr lang="de-DE" smtClean="0"/>
-              <a:t>13.01.2020</a:t>
+              <a:t>16.01.2020</a:t>
             </a:fld>
             <a:endParaRPr lang="de-DE"/>
           </a:p>
@@ -7208,7 +7208,7 @@
           <a:p>
             <a:fld id="{291487FF-3CD3-48F9-98F1-F23A67AA1DFB}" type="datetimeFigureOut">
               <a:rPr lang="de-DE" smtClean="0"/>
-              <a:t>13.01.2020</a:t>
+              <a:t>16.01.2020</a:t>
             </a:fld>
             <a:endParaRPr lang="de-DE"/>
           </a:p>
@@ -7378,7 +7378,7 @@
           <a:p>
             <a:fld id="{291487FF-3CD3-48F9-98F1-F23A67AA1DFB}" type="datetimeFigureOut">
               <a:rPr lang="de-DE" smtClean="0"/>
-              <a:t>13.01.2020</a:t>
+              <a:t>16.01.2020</a:t>
             </a:fld>
             <a:endParaRPr lang="de-DE"/>
           </a:p>
@@ -7558,7 +7558,7 @@
           <a:p>
             <a:fld id="{291487FF-3CD3-48F9-98F1-F23A67AA1DFB}" type="datetimeFigureOut">
               <a:rPr lang="de-DE" smtClean="0"/>
-              <a:t>13.01.2020</a:t>
+              <a:t>16.01.2020</a:t>
             </a:fld>
             <a:endParaRPr lang="de-DE"/>
           </a:p>
@@ -7728,7 +7728,7 @@
           <a:p>
             <a:fld id="{291487FF-3CD3-48F9-98F1-F23A67AA1DFB}" type="datetimeFigureOut">
               <a:rPr lang="de-DE" smtClean="0"/>
-              <a:t>13.01.2020</a:t>
+              <a:t>16.01.2020</a:t>
             </a:fld>
             <a:endParaRPr lang="de-DE"/>
           </a:p>
@@ -7978,7 +7978,7 @@
           <a:p>
             <a:fld id="{291487FF-3CD3-48F9-98F1-F23A67AA1DFB}" type="datetimeFigureOut">
               <a:rPr lang="de-DE" smtClean="0"/>
-              <a:t>13.01.2020</a:t>
+              <a:t>16.01.2020</a:t>
             </a:fld>
             <a:endParaRPr lang="de-DE"/>
           </a:p>
@@ -8210,7 +8210,7 @@
           <a:p>
             <a:fld id="{291487FF-3CD3-48F9-98F1-F23A67AA1DFB}" type="datetimeFigureOut">
               <a:rPr lang="de-DE" smtClean="0"/>
-              <a:t>13.01.2020</a:t>
+              <a:t>16.01.2020</a:t>
             </a:fld>
             <a:endParaRPr lang="de-DE"/>
           </a:p>
@@ -8591,7 +8591,7 @@
           <a:p>
             <a:fld id="{291487FF-3CD3-48F9-98F1-F23A67AA1DFB}" type="datetimeFigureOut">
               <a:rPr lang="de-DE" smtClean="0"/>
-              <a:t>13.01.2020</a:t>
+              <a:t>16.01.2020</a:t>
             </a:fld>
             <a:endParaRPr lang="de-DE"/>
           </a:p>
@@ -8709,7 +8709,7 @@
           <a:p>
             <a:fld id="{291487FF-3CD3-48F9-98F1-F23A67AA1DFB}" type="datetimeFigureOut">
               <a:rPr lang="de-DE" smtClean="0"/>
-              <a:t>13.01.2020</a:t>
+              <a:t>16.01.2020</a:t>
             </a:fld>
             <a:endParaRPr lang="de-DE"/>
           </a:p>
@@ -8804,7 +8804,7 @@
           <a:p>
             <a:fld id="{291487FF-3CD3-48F9-98F1-F23A67AA1DFB}" type="datetimeFigureOut">
               <a:rPr lang="de-DE" smtClean="0"/>
-              <a:t>13.01.2020</a:t>
+              <a:t>16.01.2020</a:t>
             </a:fld>
             <a:endParaRPr lang="de-DE"/>
           </a:p>
@@ -9053,7 +9053,7 @@
           <a:p>
             <a:fld id="{291487FF-3CD3-48F9-98F1-F23A67AA1DFB}" type="datetimeFigureOut">
               <a:rPr lang="de-DE" smtClean="0"/>
-              <a:t>13.01.2020</a:t>
+              <a:t>16.01.2020</a:t>
             </a:fld>
             <a:endParaRPr lang="de-DE"/>
           </a:p>
@@ -9333,7 +9333,7 @@
           <a:p>
             <a:fld id="{291487FF-3CD3-48F9-98F1-F23A67AA1DFB}" type="datetimeFigureOut">
               <a:rPr lang="de-DE" smtClean="0"/>
-              <a:t>13.01.2020</a:t>
+              <a:t>16.01.2020</a:t>
             </a:fld>
             <a:endParaRPr lang="de-DE"/>
           </a:p>
@@ -9449,7 +9449,7 @@
           <a:noFill/>
           <a:extLst>
             <a:ext uri="{909E8E84-426E-40dd-AFC4-6F175D3DCCD1}">
-              <a14:hiddenFill xmlns:a14="http://schemas.microsoft.com/office/drawing/2010/main" xmlns="">
+              <a14:hiddenFill xmlns="" xmlns:a14="http://schemas.microsoft.com/office/drawing/2010/main">
                 <a:solidFill>
                   <a:srgbClr val="FFFFFF"/>
                 </a:solidFill>
@@ -9523,7 +9523,7 @@
               </a:ln>
               <a:extLst>
                 <a:ext uri="{91240B29-F687-4f45-9708-019B960494DF}">
-                  <a14:hiddenLine xmlns:a14="http://schemas.microsoft.com/office/drawing/2010/main" xmlns="" w="9525">
+                  <a14:hiddenLine xmlns="" xmlns:a14="http://schemas.microsoft.com/office/drawing/2010/main" w="9525">
                     <a:solidFill>
                       <a:srgbClr val="000000"/>
                     </a:solidFill>
@@ -9613,7 +9613,7 @@
               </a:ln>
               <a:extLst>
                 <a:ext uri="{91240B29-F687-4f45-9708-019B960494DF}">
-                  <a14:hiddenLine xmlns:a14="http://schemas.microsoft.com/office/drawing/2010/main" xmlns="" w="9525">
+                  <a14:hiddenLine xmlns="" xmlns:a14="http://schemas.microsoft.com/office/drawing/2010/main" w="9525">
                     <a:solidFill>
                       <a:srgbClr val="000000"/>
                     </a:solidFill>
@@ -9703,7 +9703,7 @@
               </a:ln>
               <a:extLst>
                 <a:ext uri="{91240B29-F687-4f45-9708-019B960494DF}">
-                  <a14:hiddenLine xmlns:a14="http://schemas.microsoft.com/office/drawing/2010/main" xmlns="" w="9525">
+                  <a14:hiddenLine xmlns="" xmlns:a14="http://schemas.microsoft.com/office/drawing/2010/main" w="9525">
                     <a:solidFill>
                       <a:srgbClr val="000000"/>
                     </a:solidFill>
@@ -9765,7 +9765,7 @@
               </a:ln>
               <a:extLst>
                 <a:ext uri="{91240B29-F687-4f45-9708-019B960494DF}">
-                  <a14:hiddenLine xmlns:a14="http://schemas.microsoft.com/office/drawing/2010/main" xmlns="" w="9525">
+                  <a14:hiddenLine xmlns="" xmlns:a14="http://schemas.microsoft.com/office/drawing/2010/main" w="9525">
                     <a:solidFill>
                       <a:srgbClr val="000000"/>
                     </a:solidFill>
@@ -9855,7 +9855,7 @@
               </a:ln>
               <a:extLst>
                 <a:ext uri="{91240B29-F687-4f45-9708-019B960494DF}">
-                  <a14:hiddenLine xmlns:a14="http://schemas.microsoft.com/office/drawing/2010/main" xmlns="" w="9525">
+                  <a14:hiddenLine xmlns="" xmlns:a14="http://schemas.microsoft.com/office/drawing/2010/main" w="9525">
                     <a:solidFill>
                       <a:srgbClr val="000000"/>
                     </a:solidFill>
@@ -9917,7 +9917,7 @@
               </a:ln>
               <a:extLst>
                 <a:ext uri="{91240B29-F687-4f45-9708-019B960494DF}">
-                  <a14:hiddenLine xmlns:a14="http://schemas.microsoft.com/office/drawing/2010/main" xmlns="" w="9525">
+                  <a14:hiddenLine xmlns="" xmlns:a14="http://schemas.microsoft.com/office/drawing/2010/main" w="9525">
                     <a:solidFill>
                       <a:srgbClr val="000000"/>
                     </a:solidFill>
@@ -9979,7 +9979,7 @@
               </a:ln>
               <a:extLst>
                 <a:ext uri="{91240B29-F687-4f45-9708-019B960494DF}">
-                  <a14:hiddenLine xmlns:a14="http://schemas.microsoft.com/office/drawing/2010/main" xmlns="" w="9525">
+                  <a14:hiddenLine xmlns="" xmlns:a14="http://schemas.microsoft.com/office/drawing/2010/main" w="9525">
                     <a:solidFill>
                       <a:srgbClr val="000000"/>
                     </a:solidFill>
@@ -10069,7 +10069,7 @@
               </a:ln>
               <a:extLst>
                 <a:ext uri="{91240B29-F687-4f45-9708-019B960494DF}">
-                  <a14:hiddenLine xmlns:a14="http://schemas.microsoft.com/office/drawing/2010/main" xmlns="" w="9525">
+                  <a14:hiddenLine xmlns="" xmlns:a14="http://schemas.microsoft.com/office/drawing/2010/main" w="9525">
                     <a:solidFill>
                       <a:srgbClr val="000000"/>
                     </a:solidFill>
@@ -10159,7 +10159,7 @@
               </a:ln>
               <a:extLst>
                 <a:ext uri="{91240B29-F687-4f45-9708-019B960494DF}">
-                  <a14:hiddenLine xmlns:a14="http://schemas.microsoft.com/office/drawing/2010/main" xmlns="" w="9525">
+                  <a14:hiddenLine xmlns="" xmlns:a14="http://schemas.microsoft.com/office/drawing/2010/main" w="9525">
                     <a:solidFill>
                       <a:srgbClr val="000000"/>
                     </a:solidFill>
@@ -10221,7 +10221,7 @@
               </a:ln>
               <a:extLst>
                 <a:ext uri="{91240B29-F687-4f45-9708-019B960494DF}">
-                  <a14:hiddenLine xmlns:a14="http://schemas.microsoft.com/office/drawing/2010/main" xmlns="" w="9525">
+                  <a14:hiddenLine xmlns="" xmlns:a14="http://schemas.microsoft.com/office/drawing/2010/main" w="9525">
                     <a:solidFill>
                       <a:srgbClr val="000000"/>
                     </a:solidFill>
@@ -10331,7 +10331,7 @@
               </a:ln>
               <a:extLst>
                 <a:ext uri="{91240B29-F687-4f45-9708-019B960494DF}">
-                  <a14:hiddenLine xmlns:a14="http://schemas.microsoft.com/office/drawing/2010/main" xmlns="" w="9525">
+                  <a14:hiddenLine xmlns="" xmlns:a14="http://schemas.microsoft.com/office/drawing/2010/main" w="9525">
                     <a:solidFill>
                       <a:srgbClr val="000000"/>
                     </a:solidFill>
@@ -10415,7 +10415,7 @@
               </a:ln>
               <a:extLst>
                 <a:ext uri="{91240B29-F687-4f45-9708-019B960494DF}">
-                  <a14:hiddenLine xmlns:a14="http://schemas.microsoft.com/office/drawing/2010/main" xmlns="" w="9525">
+                  <a14:hiddenLine xmlns="" xmlns:a14="http://schemas.microsoft.com/office/drawing/2010/main" w="9525">
                     <a:solidFill>
                       <a:srgbClr val="000000"/>
                     </a:solidFill>
@@ -10477,7 +10477,7 @@
               </a:ln>
               <a:extLst>
                 <a:ext uri="{91240B29-F687-4f45-9708-019B960494DF}">
-                  <a14:hiddenLine xmlns:a14="http://schemas.microsoft.com/office/drawing/2010/main" xmlns="" w="9525">
+                  <a14:hiddenLine xmlns="" xmlns:a14="http://schemas.microsoft.com/office/drawing/2010/main" w="9525">
                     <a:solidFill>
                       <a:srgbClr val="000000"/>
                     </a:solidFill>
@@ -10539,7 +10539,7 @@
               </a:ln>
               <a:extLst>
                 <a:ext uri="{91240B29-F687-4f45-9708-019B960494DF}">
-                  <a14:hiddenLine xmlns:a14="http://schemas.microsoft.com/office/drawing/2010/main" xmlns="" w="9525">
+                  <a14:hiddenLine xmlns="" xmlns:a14="http://schemas.microsoft.com/office/drawing/2010/main" w="9525">
                     <a:solidFill>
                       <a:srgbClr val="000000"/>
                     </a:solidFill>
@@ -10629,7 +10629,7 @@
               </a:ln>
               <a:extLst>
                 <a:ext uri="{91240B29-F687-4f45-9708-019B960494DF}">
-                  <a14:hiddenLine xmlns:a14="http://schemas.microsoft.com/office/drawing/2010/main" xmlns="" w="9525">
+                  <a14:hiddenLine xmlns="" xmlns:a14="http://schemas.microsoft.com/office/drawing/2010/main" w="9525">
                     <a:solidFill>
                       <a:srgbClr val="000000"/>
                     </a:solidFill>
@@ -10663,7 +10663,7 @@
               </a:ln>
               <a:extLst>
                 <a:ext uri="{91240B29-F687-4f45-9708-019B960494DF}">
-                  <a14:hiddenLine xmlns:a14="http://schemas.microsoft.com/office/drawing/2010/main" xmlns="" w="9525">
+                  <a14:hiddenLine xmlns="" xmlns:a14="http://schemas.microsoft.com/office/drawing/2010/main" w="9525">
                     <a:solidFill>
                       <a:srgbClr val="000000"/>
                     </a:solidFill>
@@ -10728,7 +10728,7 @@
               </a:ln>
               <a:extLst>
                 <a:ext uri="{91240B29-F687-4f45-9708-019B960494DF}">
-                  <a14:hiddenLine xmlns:a14="http://schemas.microsoft.com/office/drawing/2010/main" xmlns="" w="9525">
+                  <a14:hiddenLine xmlns="" xmlns:a14="http://schemas.microsoft.com/office/drawing/2010/main" w="9525">
                     <a:solidFill>
                       <a:srgbClr val="000000"/>
                     </a:solidFill>
@@ -10818,7 +10818,7 @@
               </a:ln>
               <a:extLst>
                 <a:ext uri="{91240B29-F687-4f45-9708-019B960494DF}">
-                  <a14:hiddenLine xmlns:a14="http://schemas.microsoft.com/office/drawing/2010/main" xmlns="" w="9525">
+                  <a14:hiddenLine xmlns="" xmlns:a14="http://schemas.microsoft.com/office/drawing/2010/main" w="9525">
                     <a:solidFill>
                       <a:srgbClr val="000000"/>
                     </a:solidFill>
@@ -10880,7 +10880,7 @@
               </a:ln>
               <a:extLst>
                 <a:ext uri="{91240B29-F687-4f45-9708-019B960494DF}">
-                  <a14:hiddenLine xmlns:a14="http://schemas.microsoft.com/office/drawing/2010/main" xmlns="" w="9525">
+                  <a14:hiddenLine xmlns="" xmlns:a14="http://schemas.microsoft.com/office/drawing/2010/main" w="9525">
                     <a:solidFill>
                       <a:srgbClr val="000000"/>
                     </a:solidFill>
@@ -10970,7 +10970,7 @@
               </a:ln>
               <a:extLst>
                 <a:ext uri="{91240B29-F687-4f45-9708-019B960494DF}">
-                  <a14:hiddenLine xmlns:a14="http://schemas.microsoft.com/office/drawing/2010/main" xmlns="" w="9525">
+                  <a14:hiddenLine xmlns="" xmlns:a14="http://schemas.microsoft.com/office/drawing/2010/main" w="9525">
                     <a:solidFill>
                       <a:srgbClr val="000000"/>
                     </a:solidFill>
@@ -11035,7 +11035,7 @@
               </a:ln>
               <a:extLst>
                 <a:ext uri="{91240B29-F687-4f45-9708-019B960494DF}">
-                  <a14:hiddenLine xmlns:a14="http://schemas.microsoft.com/office/drawing/2010/main" xmlns="" w="9525">
+                  <a14:hiddenLine xmlns="" xmlns:a14="http://schemas.microsoft.com/office/drawing/2010/main" w="9525">
                     <a:solidFill>
                       <a:srgbClr val="000000"/>
                     </a:solidFill>
@@ -11097,7 +11097,7 @@
               </a:ln>
               <a:extLst>
                 <a:ext uri="{91240B29-F687-4f45-9708-019B960494DF}">
-                  <a14:hiddenLine xmlns:a14="http://schemas.microsoft.com/office/drawing/2010/main" xmlns="" w="9525">
+                  <a14:hiddenLine xmlns="" xmlns:a14="http://schemas.microsoft.com/office/drawing/2010/main" w="9525">
                     <a:solidFill>
                       <a:srgbClr val="000000"/>
                     </a:solidFill>
@@ -11187,7 +11187,7 @@
               </a:ln>
               <a:extLst>
                 <a:ext uri="{91240B29-F687-4f45-9708-019B960494DF}">
-                  <a14:hiddenLine xmlns:a14="http://schemas.microsoft.com/office/drawing/2010/main" xmlns="" w="9525">
+                  <a14:hiddenLine xmlns="" xmlns:a14="http://schemas.microsoft.com/office/drawing/2010/main" w="9525">
                     <a:solidFill>
                       <a:srgbClr val="000000"/>
                     </a:solidFill>
@@ -11277,7 +11277,7 @@
               </a:ln>
               <a:extLst>
                 <a:ext uri="{91240B29-F687-4f45-9708-019B960494DF}">
-                  <a14:hiddenLine xmlns:a14="http://schemas.microsoft.com/office/drawing/2010/main" xmlns="" w="9525">
+                  <a14:hiddenLine xmlns="" xmlns:a14="http://schemas.microsoft.com/office/drawing/2010/main" w="9525">
                     <a:solidFill>
                       <a:srgbClr val="000000"/>
                     </a:solidFill>
@@ -11342,7 +11342,7 @@
               </a:ln>
               <a:extLst>
                 <a:ext uri="{91240B29-F687-4f45-9708-019B960494DF}">
-                  <a14:hiddenLine xmlns:a14="http://schemas.microsoft.com/office/drawing/2010/main" xmlns="" w="9525">
+                  <a14:hiddenLine xmlns="" xmlns:a14="http://schemas.microsoft.com/office/drawing/2010/main" w="9525">
                     <a:solidFill>
                       <a:srgbClr val="000000"/>
                     </a:solidFill>
@@ -11462,7 +11462,7 @@
               </a:ln>
               <a:extLst>
                 <a:ext uri="{91240B29-F687-4f45-9708-019B960494DF}">
-                  <a14:hiddenLine xmlns:a14="http://schemas.microsoft.com/office/drawing/2010/main" xmlns="" w="9525">
+                  <a14:hiddenLine xmlns="" xmlns:a14="http://schemas.microsoft.com/office/drawing/2010/main" w="9525">
                     <a:solidFill>
                       <a:srgbClr val="000000"/>
                     </a:solidFill>
@@ -11560,7 +11560,7 @@
               </a:ln>
               <a:extLst>
                 <a:ext uri="{91240B29-F687-4f45-9708-019B960494DF}">
-                  <a14:hiddenLine xmlns:a14="http://schemas.microsoft.com/office/drawing/2010/main" xmlns="" w="9525">
+                  <a14:hiddenLine xmlns="" xmlns:a14="http://schemas.microsoft.com/office/drawing/2010/main" w="9525">
                     <a:solidFill>
                       <a:srgbClr val="000000"/>
                     </a:solidFill>
@@ -11675,7 +11675,7 @@
               </a:ln>
               <a:extLst>
                 <a:ext uri="{91240B29-F687-4f45-9708-019B960494DF}">
-                  <a14:hiddenLine xmlns:a14="http://schemas.microsoft.com/office/drawing/2010/main" xmlns="" w="9525">
+                  <a14:hiddenLine xmlns="" xmlns:a14="http://schemas.microsoft.com/office/drawing/2010/main" w="9525">
                     <a:solidFill>
                       <a:srgbClr val="000000"/>
                     </a:solidFill>
@@ -11765,7 +11765,7 @@
               </a:ln>
               <a:extLst>
                 <a:ext uri="{91240B29-F687-4f45-9708-019B960494DF}">
-                  <a14:hiddenLine xmlns:a14="http://schemas.microsoft.com/office/drawing/2010/main" xmlns="" w="9525">
+                  <a14:hiddenLine xmlns="" xmlns:a14="http://schemas.microsoft.com/office/drawing/2010/main" w="9525">
                     <a:solidFill>
                       <a:srgbClr val="000000"/>
                     </a:solidFill>
@@ -11830,7 +11830,7 @@
               </a:ln>
               <a:extLst>
                 <a:ext uri="{91240B29-F687-4f45-9708-019B960494DF}">
-                  <a14:hiddenLine xmlns:a14="http://schemas.microsoft.com/office/drawing/2010/main" xmlns="" w="9525">
+                  <a14:hiddenLine xmlns="" xmlns:a14="http://schemas.microsoft.com/office/drawing/2010/main" w="9525">
                     <a:solidFill>
                       <a:srgbClr val="000000"/>
                     </a:solidFill>
@@ -11920,7 +11920,7 @@
               </a:ln>
               <a:extLst>
                 <a:ext uri="{91240B29-F687-4f45-9708-019B960494DF}">
-                  <a14:hiddenLine xmlns:a14="http://schemas.microsoft.com/office/drawing/2010/main" xmlns="" w="9525">
+                  <a14:hiddenLine xmlns="" xmlns:a14="http://schemas.microsoft.com/office/drawing/2010/main" w="9525">
                     <a:solidFill>
                       <a:srgbClr val="000000"/>
                     </a:solidFill>
@@ -11988,7 +11988,7 @@
               </a:ln>
               <a:extLst>
                 <a:ext uri="{91240B29-F687-4f45-9708-019B960494DF}">
-                  <a14:hiddenLine xmlns:a14="http://schemas.microsoft.com/office/drawing/2010/main" xmlns="" w="9525">
+                  <a14:hiddenLine xmlns="" xmlns:a14="http://schemas.microsoft.com/office/drawing/2010/main" w="9525">
                     <a:solidFill>
                       <a:srgbClr val="000000"/>
                     </a:solidFill>
@@ -12078,7 +12078,7 @@
               </a:ln>
               <a:extLst>
                 <a:ext uri="{91240B29-F687-4f45-9708-019B960494DF}">
-                  <a14:hiddenLine xmlns:a14="http://schemas.microsoft.com/office/drawing/2010/main" xmlns="" w="9525">
+                  <a14:hiddenLine xmlns="" xmlns:a14="http://schemas.microsoft.com/office/drawing/2010/main" w="9525">
                     <a:solidFill>
                       <a:srgbClr val="000000"/>
                     </a:solidFill>
@@ -12146,7 +12146,7 @@
               </a:ln>
               <a:extLst>
                 <a:ext uri="{91240B29-F687-4f45-9708-019B960494DF}">
-                  <a14:hiddenLine xmlns:a14="http://schemas.microsoft.com/office/drawing/2010/main" xmlns="" w="9525">
+                  <a14:hiddenLine xmlns="" xmlns:a14="http://schemas.microsoft.com/office/drawing/2010/main" w="9525">
                     <a:solidFill>
                       <a:srgbClr val="000000"/>
                     </a:solidFill>
@@ -12236,7 +12236,7 @@
               </a:ln>
               <a:extLst>
                 <a:ext uri="{91240B29-F687-4f45-9708-019B960494DF}">
-                  <a14:hiddenLine xmlns:a14="http://schemas.microsoft.com/office/drawing/2010/main" xmlns="" w="9525">
+                  <a14:hiddenLine xmlns="" xmlns:a14="http://schemas.microsoft.com/office/drawing/2010/main" w="9525">
                     <a:solidFill>
                       <a:srgbClr val="000000"/>
                     </a:solidFill>
@@ -12270,7 +12270,7 @@
               </a:ln>
               <a:extLst>
                 <a:ext uri="{91240B29-F687-4f45-9708-019B960494DF}">
-                  <a14:hiddenLine xmlns:a14="http://schemas.microsoft.com/office/drawing/2010/main" xmlns="" w="9525">
+                  <a14:hiddenLine xmlns="" xmlns:a14="http://schemas.microsoft.com/office/drawing/2010/main" w="9525">
                     <a:solidFill>
                       <a:srgbClr val="000000"/>
                     </a:solidFill>
@@ -12410,7 +12410,7 @@
           <a:p>
             <a:fld id="{291487FF-3CD3-48F9-98F1-F23A67AA1DFB}" type="datetimeFigureOut">
               <a:rPr lang="de-DE" smtClean="0"/>
-              <a:t>13.01.2020</a:t>
+              <a:t>16.01.2020</a:t>
             </a:fld>
             <a:endParaRPr lang="de-DE"/>
           </a:p>
@@ -12939,15 +12939,7 @@
           <a:p>
             <a:r>
               <a:rPr lang="de-DE" sz="3600" dirty="0" smtClean="0"/>
-              <a:t>So lernen </a:t>
-            </a:r>
-            <a:r>
-              <a:rPr lang="de-DE" sz="3600" dirty="0" smtClean="0"/>
-              <a:t>KNN </a:t>
-            </a:r>
-            <a:r>
-              <a:rPr lang="de-DE" sz="3600" dirty="0" smtClean="0"/>
-              <a:t>und werden intelligent</a:t>
+              <a:t>So lernen KNN und werden intelligent</a:t>
             </a:r>
             <a:endParaRPr lang="de-DE" sz="3600" dirty="0"/>
           </a:p>
@@ -12972,11 +12964,7 @@
           <a:p>
             <a:r>
               <a:rPr lang="de-DE" sz="1400" b="1" dirty="0" smtClean="0"/>
-              <a:t>Überwachtes </a:t>
-            </a:r>
-            <a:r>
-              <a:rPr lang="de-DE" sz="1400" b="1" dirty="0" smtClean="0"/>
-              <a:t>Lernen</a:t>
+              <a:t>Überwachtes Lernen</a:t>
             </a:r>
           </a:p>
           <a:p>
@@ -12995,16 +12983,11 @@
               <a:rPr lang="de-DE" sz="1400" dirty="0" smtClean="0"/>
               <a:t>usammenhang in den Vorlagen erkennt und diesen Zusammenhang auch auf andere unbekannte Eingabemuster übertragen kann.</a:t>
             </a:r>
-            <a:endParaRPr lang="de-DE" sz="1400" dirty="0" smtClean="0"/>
           </a:p>
           <a:p>
             <a:r>
               <a:rPr lang="de-DE" sz="1400" b="1" dirty="0" smtClean="0"/>
-              <a:t>Bestärkendes </a:t>
-            </a:r>
-            <a:r>
-              <a:rPr lang="de-DE" sz="1400" b="1" dirty="0" smtClean="0"/>
-              <a:t>Lernen</a:t>
+              <a:t>Bestärkendes Lernen</a:t>
             </a:r>
           </a:p>
           <a:p>
@@ -13015,16 +12998,11 @@
               <a:rPr lang="de-DE" sz="1400" dirty="0" smtClean="0"/>
               <a:t>Der Algorithmus überprüft die berechneten Ergebnisse auf ihre Richtigkeit und macht Anpassungen  an den Gewichten anhand der dieser Überprüfung.</a:t>
             </a:r>
-            <a:endParaRPr lang="de-DE" sz="1400" dirty="0" smtClean="0"/>
           </a:p>
           <a:p>
             <a:r>
               <a:rPr lang="de-DE" sz="1400" b="1" dirty="0" smtClean="0"/>
-              <a:t>Unüberwachtes </a:t>
-            </a:r>
-            <a:r>
-              <a:rPr lang="de-DE" sz="1400" b="1" dirty="0" smtClean="0"/>
-              <a:t>Lernen</a:t>
+              <a:t>Unüberwachtes Lernen</a:t>
             </a:r>
           </a:p>
           <a:p>
@@ -14303,8 +14281,21 @@
           <a:p>
             <a:r>
               <a:rPr lang="de-DE" sz="1400" dirty="0" smtClean="0"/>
-              <a:t>Die Teilgebiete der KI lassen sich anhand der Grafik rechts in 4 Richtungen einteilen.</a:t>
-            </a:r>
+              <a:t>Die Teilgebiete der KI </a:t>
+            </a:r>
+            <a:r>
+              <a:rPr lang="de-DE" sz="1400" dirty="0" smtClean="0"/>
+              <a:t>können anhand </a:t>
+            </a:r>
+            <a:r>
+              <a:rPr lang="de-DE" sz="1400" dirty="0" smtClean="0"/>
+              <a:t>der Grafik rechts in 4 Richtungen </a:t>
+            </a:r>
+            <a:r>
+              <a:rPr lang="de-DE" sz="1400" dirty="0" smtClean="0"/>
+              <a:t>einteilen werden.</a:t>
+            </a:r>
+            <a:endParaRPr lang="de-DE" sz="1400" dirty="0" smtClean="0"/>
           </a:p>
           <a:p>
             <a:r>
@@ -14315,7 +14306,11 @@
           <a:p>
             <a:r>
               <a:rPr lang="de-DE" sz="1400" dirty="0" smtClean="0"/>
-              <a:t>Neuronale KI geht nach dem Bottom-</a:t>
+              <a:t>Neuronale KI geht nach dem </a:t>
+            </a:r>
+            <a:r>
+              <a:rPr lang="de-DE" sz="1400" dirty="0" smtClean="0"/>
+              <a:t>Bottom-</a:t>
             </a:r>
             <a:r>
               <a:rPr lang="de-DE" sz="1400" dirty="0" err="1" smtClean="0"/>
@@ -14323,7 +14318,11 @@
             </a:r>
             <a:r>
               <a:rPr lang="de-DE" sz="1400" dirty="0" smtClean="0"/>
-              <a:t>-Ansatz und versucht Intelligenz durch die Nachbildung des menschlichen Gehirns zu bilden.</a:t>
+              <a:t>-Ansatz </a:t>
+            </a:r>
+            <a:r>
+              <a:rPr lang="de-DE" sz="1400" dirty="0" smtClean="0"/>
+              <a:t>und versucht Intelligenz durch die Nachbildung des menschlichen Gehirns zu bilden.</a:t>
             </a:r>
           </a:p>
           <a:p>
